--- a/Assets/AzureBlobStorage-Performance-ADLSGen1MigrationBattlecard.pptx
+++ b/Assets/AzureBlobStorage-Performance-ADLSGen1MigrationBattlecard.pptx
@@ -107,6 +107,11 @@
       </a:defRPr>
     </a:lvl9pPr>
   </p:defaultTextStyle>
+  <p:extLst>
+    <p:ext uri="{EFAFB233-063F-42B5-8137-9DF3F51BA10A}">
+      <p15:sldGuideLst xmlns:p15="http://schemas.microsoft.com/office/powerpoint/2012/main"/>
+    </p:ext>
+  </p:extLst>
 </p:presentation>
 </file>
 
@@ -192,7 +197,7 @@
           <a:p>
             <a:fld id="{53E09C7C-44FE-4473-B14E-11CDC0ABFD6B}" type="datetimeFigureOut">
               <a:rPr lang="en-US" smtClean="0"/>
-              <a:t>1/25/2022</a:t>
+              <a:t>3/2/2022</a:t>
             </a:fld>
             <a:endParaRPr lang="en-US"/>
           </a:p>
@@ -702,7 +707,7 @@
           <a:p>
             <a:fld id="{405141AA-5BB0-48FE-B87A-3DEC500DC27D}" type="datetimeFigureOut">
               <a:rPr lang="en-US" smtClean="0"/>
-              <a:t>1/25/2022</a:t>
+              <a:t>3/2/2022</a:t>
             </a:fld>
             <a:endParaRPr lang="en-US"/>
           </a:p>
@@ -900,7 +905,7 @@
           <a:p>
             <a:fld id="{405141AA-5BB0-48FE-B87A-3DEC500DC27D}" type="datetimeFigureOut">
               <a:rPr lang="en-US" smtClean="0"/>
-              <a:t>1/25/2022</a:t>
+              <a:t>3/2/2022</a:t>
             </a:fld>
             <a:endParaRPr lang="en-US"/>
           </a:p>
@@ -1108,7 +1113,7 @@
           <a:p>
             <a:fld id="{405141AA-5BB0-48FE-B87A-3DEC500DC27D}" type="datetimeFigureOut">
               <a:rPr lang="en-US" smtClean="0"/>
-              <a:t>1/25/2022</a:t>
+              <a:t>3/2/2022</a:t>
             </a:fld>
             <a:endParaRPr lang="en-US"/>
           </a:p>
@@ -1306,7 +1311,7 @@
           <a:p>
             <a:fld id="{405141AA-5BB0-48FE-B87A-3DEC500DC27D}" type="datetimeFigureOut">
               <a:rPr lang="en-US" smtClean="0"/>
-              <a:t>1/25/2022</a:t>
+              <a:t>3/2/2022</a:t>
             </a:fld>
             <a:endParaRPr lang="en-US"/>
           </a:p>
@@ -1581,7 +1586,7 @@
           <a:p>
             <a:fld id="{405141AA-5BB0-48FE-B87A-3DEC500DC27D}" type="datetimeFigureOut">
               <a:rPr lang="en-US" smtClean="0"/>
-              <a:t>1/25/2022</a:t>
+              <a:t>3/2/2022</a:t>
             </a:fld>
             <a:endParaRPr lang="en-US"/>
           </a:p>
@@ -1846,7 +1851,7 @@
           <a:p>
             <a:fld id="{405141AA-5BB0-48FE-B87A-3DEC500DC27D}" type="datetimeFigureOut">
               <a:rPr lang="en-US" smtClean="0"/>
-              <a:t>1/25/2022</a:t>
+              <a:t>3/2/2022</a:t>
             </a:fld>
             <a:endParaRPr lang="en-US"/>
           </a:p>
@@ -2258,7 +2263,7 @@
           <a:p>
             <a:fld id="{405141AA-5BB0-48FE-B87A-3DEC500DC27D}" type="datetimeFigureOut">
               <a:rPr lang="en-US" smtClean="0"/>
-              <a:t>1/25/2022</a:t>
+              <a:t>3/2/2022</a:t>
             </a:fld>
             <a:endParaRPr lang="en-US"/>
           </a:p>
@@ -2399,7 +2404,7 @@
           <a:p>
             <a:fld id="{405141AA-5BB0-48FE-B87A-3DEC500DC27D}" type="datetimeFigureOut">
               <a:rPr lang="en-US" smtClean="0"/>
-              <a:t>1/25/2022</a:t>
+              <a:t>3/2/2022</a:t>
             </a:fld>
             <a:endParaRPr lang="en-US"/>
           </a:p>
@@ -2512,7 +2517,7 @@
           <a:p>
             <a:fld id="{405141AA-5BB0-48FE-B87A-3DEC500DC27D}" type="datetimeFigureOut">
               <a:rPr lang="en-US" smtClean="0"/>
-              <a:t>1/25/2022</a:t>
+              <a:t>3/2/2022</a:t>
             </a:fld>
             <a:endParaRPr lang="en-US"/>
           </a:p>
@@ -2823,7 +2828,7 @@
           <a:p>
             <a:fld id="{405141AA-5BB0-48FE-B87A-3DEC500DC27D}" type="datetimeFigureOut">
               <a:rPr lang="en-US" smtClean="0"/>
-              <a:t>1/25/2022</a:t>
+              <a:t>3/2/2022</a:t>
             </a:fld>
             <a:endParaRPr lang="en-US"/>
           </a:p>
@@ -3111,7 +3116,7 @@
           <a:p>
             <a:fld id="{405141AA-5BB0-48FE-B87A-3DEC500DC27D}" type="datetimeFigureOut">
               <a:rPr lang="en-US" smtClean="0"/>
-              <a:t>1/25/2022</a:t>
+              <a:t>3/2/2022</a:t>
             </a:fld>
             <a:endParaRPr lang="en-US"/>
           </a:p>
@@ -3352,7 +3357,7 @@
           <a:p>
             <a:fld id="{405141AA-5BB0-48FE-B87A-3DEC500DC27D}" type="datetimeFigureOut">
               <a:rPr lang="en-US" smtClean="0"/>
-              <a:t>1/25/2022</a:t>
+              <a:t>3/2/2022</a:t>
             </a:fld>
             <a:endParaRPr lang="en-US"/>
           </a:p>
@@ -3781,7 +3786,13 @@
           <p:cNvGraphicFramePr>
             <a:graphicFrameLocks noGrp="1"/>
           </p:cNvGraphicFramePr>
-          <p:nvPr/>
+          <p:nvPr>
+            <p:extLst>
+              <p:ext uri="{D42A27DB-BD31-4B8C-83A1-F6EECF244321}">
+                <p14:modId xmlns:p14="http://schemas.microsoft.com/office/powerpoint/2010/main" val="675438667"/>
+              </p:ext>
+            </p:extLst>
+          </p:nvPr>
         </p:nvGraphicFramePr>
         <p:xfrm>
           <a:off x="0" y="-15240"/>
@@ -3794,17 +3805,10 @@
                 <a:tableStyleId>{5C22544A-7EE6-4342-B048-85BDC9FD1C3A}</a:tableStyleId>
               </a:tblPr>
               <a:tblGrid>
-                <a:gridCol w="3468263">
+                <a:gridCol w="5614948">
                   <a:extLst>
                     <a:ext uri="{9D8B030D-6E8A-4147-A177-3AD203B41FA5}">
                       <a16:colId xmlns:a16="http://schemas.microsoft.com/office/drawing/2014/main" val="2106131372"/>
-                    </a:ext>
-                  </a:extLst>
-                </a:gridCol>
-                <a:gridCol w="2146685">
-                  <a:extLst>
-                    <a:ext uri="{9D8B030D-6E8A-4147-A177-3AD203B41FA5}">
-                      <a16:colId xmlns:a16="http://schemas.microsoft.com/office/drawing/2014/main" val="850830481"/>
                     </a:ext>
                   </a:extLst>
                 </a:gridCol>
@@ -3817,7 +3821,7 @@
                 </a:gridCol>
               </a:tblGrid>
               <a:tr h="311355">
-                <a:tc gridSpan="3">
+                <a:tc gridSpan="2">
                   <a:txBody>
                     <a:bodyPr/>
                     <a:lstStyle/>
@@ -3888,17 +3892,20 @@
                       <a:endParaRPr lang="en-US"/>
                     </a:p>
                   </a:txBody>
-                  <a:tcPr/>
-                </a:tc>
-                <a:tc hMerge="1">
-                  <a:txBody>
-                    <a:bodyPr/>
-                    <a:lstStyle/>
-                    <a:p>
-                      <a:endParaRPr lang="en-US"/>
-                    </a:p>
-                  </a:txBody>
-                  <a:tcPr/>
+                  <a:tcPr>
+                    <a:lnL w="12700" cap="flat" cmpd="sng" algn="ctr">
+                      <a:solidFill>
+                        <a:schemeClr val="tx2">
+                          <a:lumMod val="20000"/>
+                          <a:lumOff val="80000"/>
+                        </a:schemeClr>
+                      </a:solidFill>
+                      <a:prstDash val="solid"/>
+                      <a:round/>
+                      <a:headEnd type="none" w="med" len="med"/>
+                      <a:tailEnd type="none" w="med" len="med"/>
+                    </a:lnL>
+                  </a:tcPr>
                 </a:tc>
                 <a:extLst>
                   <a:ext uri="{0D108BD9-81ED-4DB2-BD59-A6C34878D82A}">
@@ -3907,7 +3914,7 @@
                 </a:extLst>
               </a:tr>
               <a:tr h="302197">
-                <a:tc gridSpan="2">
+                <a:tc>
                   <a:txBody>
                     <a:bodyPr/>
                     <a:lstStyle/>
@@ -3982,16 +3989,6 @@
                     </a:solidFill>
                   </a:tcPr>
                 </a:tc>
-                <a:tc hMerge="1">
-                  <a:txBody>
-                    <a:bodyPr/>
-                    <a:lstStyle/>
-                    <a:p>
-                      <a:endParaRPr lang="en-US"/>
-                    </a:p>
-                  </a:txBody>
-                  <a:tcPr/>
-                </a:tc>
                 <a:tc>
                   <a:txBody>
                     <a:bodyPr/>
@@ -4062,18 +4059,6 @@
                       <a:headEnd type="none" w="med" len="med"/>
                       <a:tailEnd type="none" w="med" len="med"/>
                     </a:lnR>
-                    <a:lnT w="12700" cap="flat" cmpd="sng" algn="ctr">
-                      <a:solidFill>
-                        <a:schemeClr val="tx2">
-                          <a:lumMod val="20000"/>
-                          <a:lumOff val="80000"/>
-                        </a:schemeClr>
-                      </a:solidFill>
-                      <a:prstDash val="solid"/>
-                      <a:round/>
-                      <a:headEnd type="none" w="med" len="med"/>
-                      <a:tailEnd type="none" w="med" len="med"/>
-                    </a:lnT>
                     <a:lnB w="12700" cap="flat" cmpd="sng" algn="ctr">
                       <a:solidFill>
                         <a:schemeClr val="tx2">
@@ -4098,7 +4083,7 @@
                 </a:extLst>
               </a:tr>
               <a:tr h="4215501">
-                <a:tc gridSpan="2">
+                <a:tc>
                   <a:txBody>
                     <a:bodyPr/>
                     <a:lstStyle/>
@@ -5937,16 +5922,6 @@
                     </a:solidFill>
                   </a:tcPr>
                 </a:tc>
-                <a:tc hMerge="1">
-                  <a:txBody>
-                    <a:bodyPr/>
-                    <a:lstStyle/>
-                    <a:p>
-                      <a:endParaRPr lang="en-US"/>
-                    </a:p>
-                  </a:txBody>
-                  <a:tcPr/>
-                </a:tc>
                 <a:tc rowSpan="3">
                   <a:txBody>
                     <a:bodyPr/>
@@ -6858,20 +6833,6 @@
                           <a:cs typeface="Segoe UI" panose="020B0502040204020203" pitchFamily="34" charset="0"/>
                         </a:rPr>
                         <a:t>MetaDatat</a:t>
-                      </a:r>
-                      <a:r>
-                        <a:rPr lang="en-US" sz="880" b="1" i="0" kern="1200" baseline="0" dirty="0">
-                          <a:solidFill>
-                            <a:schemeClr val="tx1">
-                              <a:lumMod val="75000"/>
-                              <a:lumOff val="25000"/>
-                            </a:schemeClr>
-                          </a:solidFill>
-                          <a:latin typeface="+mn-lt"/>
-                          <a:ea typeface="+mn-ea"/>
-                          <a:cs typeface="Segoe UI" panose="020B0502040204020203" pitchFamily="34" charset="0"/>
-                        </a:rPr>
-                        <a:t> </a:t>
                       </a:r>
                       <a:r>
                         <a:rPr lang="en-US" sz="880" b="0" i="0" kern="1200" baseline="0" dirty="0">
@@ -7457,7 +7418,7 @@
                 </a:extLst>
               </a:tr>
               <a:tr h="342049">
-                <a:tc gridSpan="2">
+                <a:tc>
                   <a:txBody>
                     <a:bodyPr/>
                     <a:lstStyle/>
@@ -7529,16 +7490,6 @@
                       <a:srgbClr val="7030A0"/>
                     </a:solidFill>
                   </a:tcPr>
-                </a:tc>
-                <a:tc hMerge="1">
-                  <a:txBody>
-                    <a:bodyPr/>
-                    <a:lstStyle/>
-                    <a:p>
-                      <a:endParaRPr lang="en-US"/>
-                    </a:p>
-                  </a:txBody>
-                  <a:tcPr/>
                 </a:tc>
                 <a:tc vMerge="1">
                   <a:txBody>
@@ -7642,37 +7593,6 @@
                         <a:tabLst/>
                         <a:defRPr/>
                       </a:pPr>
-                      <a:r>
-                        <a:rPr lang="en-US" sz="880" b="0" i="0" u="none" kern="1200" dirty="0">
-                          <a:solidFill>
-                            <a:schemeClr val="tx1">
-                              <a:lumMod val="75000"/>
-                              <a:lumOff val="25000"/>
-                            </a:schemeClr>
-                          </a:solidFill>
-                          <a:effectLst/>
-                          <a:latin typeface="+mn-lt"/>
-                          <a:ea typeface="+mn-ea"/>
-                          <a:cs typeface="+mn-cs"/>
-                        </a:rPr>
-                        <a:t>Make sure you visit the </a:t>
-                      </a:r>
-                      <a:r>
-                        <a:rPr lang="en-US" sz="880" b="0" i="0" u="none" kern="1200" dirty="0">
-                          <a:solidFill>
-                            <a:schemeClr val="tx1">
-                              <a:lumMod val="75000"/>
-                              <a:lumOff val="25000"/>
-                            </a:schemeClr>
-                          </a:solidFill>
-                          <a:effectLst/>
-                          <a:latin typeface="+mn-lt"/>
-                          <a:ea typeface="+mn-ea"/>
-                          <a:cs typeface="+mn-cs"/>
-                          <a:hlinkClick r:id="rId46"/>
-                        </a:rPr>
-                        <a:t>ADLS Migration Mind Map</a:t>
-                      </a:r>
                       <a:endParaRPr lang="en-US" sz="880" b="0" i="0" u="none" kern="1200" dirty="0">
                         <a:solidFill>
                           <a:schemeClr val="tx1">
@@ -7704,52 +7624,18 @@
                         <a:tabLst/>
                         <a:defRPr/>
                       </a:pPr>
-                      <a:r>
-                        <a:rPr lang="en-US" sz="880" b="0" i="0" u="none" kern="1200" dirty="0">
-                          <a:solidFill>
-                            <a:schemeClr val="tx1">
-                              <a:lumMod val="75000"/>
-                              <a:lumOff val="25000"/>
-                            </a:schemeClr>
-                          </a:solidFill>
-                          <a:effectLst/>
-                          <a:latin typeface="+mn-lt"/>
-                          <a:ea typeface="+mn-ea"/>
-                          <a:cs typeface="+mn-cs"/>
-                        </a:rPr>
-                        <a:t>Make sure your read </a:t>
-                      </a:r>
-                      <a:r>
-                        <a:rPr lang="en-US" sz="880" b="0" i="0" u="none" kern="1200" dirty="0">
-                          <a:solidFill>
-                            <a:schemeClr val="tx1">
-                              <a:lumMod val="75000"/>
-                              <a:lumOff val="25000"/>
-                            </a:schemeClr>
-                          </a:solidFill>
-                          <a:effectLst/>
-                          <a:latin typeface="+mn-lt"/>
-                          <a:ea typeface="+mn-ea"/>
-                          <a:cs typeface="+mn-cs"/>
-                          <a:hlinkClick r:id="rId47"/>
-                        </a:rPr>
-                        <a:t>The Hitchhiker’s Guide to the Data Lake</a:t>
-                      </a:r>
-                      <a:r>
-                        <a:rPr lang="en-US" sz="880" b="0" i="0" u="none" kern="1200" dirty="0">
-                          <a:solidFill>
-                            <a:schemeClr val="tx1">
-                              <a:lumMod val="75000"/>
-                              <a:lumOff val="25000"/>
-                            </a:schemeClr>
-                          </a:solidFill>
-                          <a:effectLst/>
-                          <a:latin typeface="+mn-lt"/>
-                          <a:ea typeface="+mn-ea"/>
-                          <a:cs typeface="+mn-cs"/>
-                        </a:rPr>
-                        <a:t>.</a:t>
-                      </a:r>
+                      <a:endParaRPr lang="en-US" sz="880" b="0" i="0" u="none" kern="1200" dirty="0">
+                        <a:solidFill>
+                          <a:schemeClr val="tx1">
+                            <a:lumMod val="75000"/>
+                            <a:lumOff val="25000"/>
+                          </a:schemeClr>
+                        </a:solidFill>
+                        <a:effectLst/>
+                        <a:latin typeface="+mn-lt"/>
+                        <a:ea typeface="+mn-ea"/>
+                        <a:cs typeface="+mn-cs"/>
+                      </a:endParaRPr>
                     </a:p>
                     <a:p>
                       <a:pPr marL="182880" marR="0" lvl="0" indent="-182880" algn="l" defTabSz="914400" rtl="0" eaLnBrk="1" fontAlgn="auto" latinLnBrk="0" hangingPunct="1">
@@ -7781,9 +7667,22 @@
                           <a:latin typeface="+mn-lt"/>
                           <a:ea typeface="+mn-ea"/>
                           <a:cs typeface="+mn-cs"/>
-                        </a:rPr>
-                        <a:t>Prior to migrating make sure you take the time to properly configure your ADLS Gen2 landing account. Don’t forget to enable HNS on your ADLS Gen2 Account.</a:t>
-                      </a:r>
+                          <a:hlinkClick r:id="rId46"/>
+                        </a:rPr>
+                        <a:t>Migrate Azure Data Lake Storage from Gen1 to Gen2</a:t>
+                      </a:r>
+                      <a:endParaRPr lang="en-US" sz="880" b="0" i="0" u="none" kern="1200" dirty="0">
+                        <a:solidFill>
+                          <a:schemeClr val="tx1">
+                            <a:lumMod val="75000"/>
+                            <a:lumOff val="25000"/>
+                          </a:schemeClr>
+                        </a:solidFill>
+                        <a:effectLst/>
+                        <a:latin typeface="+mn-lt"/>
+                        <a:ea typeface="+mn-ea"/>
+                        <a:cs typeface="+mn-cs"/>
+                      </a:endParaRPr>
                     </a:p>
                     <a:p>
                       <a:pPr marL="182880" marR="0" lvl="0" indent="-182880" algn="l" defTabSz="914400" rtl="0" eaLnBrk="1" fontAlgn="auto" latinLnBrk="0" hangingPunct="1">
@@ -7816,7 +7715,7 @@
                           <a:ea typeface="+mn-ea"/>
                           <a:cs typeface="+mn-cs"/>
                         </a:rPr>
-                        <a:t>Remember there are several ways of </a:t>
+                        <a:t>Make sure you visit the </a:t>
                       </a:r>
                       <a:r>
                         <a:rPr lang="en-US" sz="880" b="0" i="0" u="none" kern="1200" dirty="0">
@@ -7830,55 +7729,22 @@
                           <a:latin typeface="+mn-lt"/>
                           <a:ea typeface="+mn-ea"/>
                           <a:cs typeface="+mn-cs"/>
-                          <a:hlinkClick r:id="rId48"/>
-                        </a:rPr>
-                        <a:t>migrating an ADLS Gen1 Account</a:t>
-                      </a:r>
-                      <a:r>
-                        <a:rPr lang="en-US" sz="880" b="0" i="0" u="none" kern="1200" dirty="0">
-                          <a:solidFill>
-                            <a:schemeClr val="tx1">
-                              <a:lumMod val="75000"/>
-                              <a:lumOff val="25000"/>
-                            </a:schemeClr>
-                          </a:solidFill>
-                          <a:effectLst/>
-                          <a:latin typeface="+mn-lt"/>
-                          <a:ea typeface="+mn-ea"/>
-                          <a:cs typeface="+mn-cs"/>
-                        </a:rPr>
-                        <a:t>: ADF Lift and Shift, ADF Incremental Copy, ADF Dual Pipeline, </a:t>
-                      </a:r>
-                      <a:r>
-                        <a:rPr lang="en-US" sz="880" b="0" i="0" u="none" kern="1200" dirty="0" err="1">
-                          <a:solidFill>
-                            <a:schemeClr val="tx1">
-                              <a:lumMod val="75000"/>
-                              <a:lumOff val="25000"/>
-                            </a:schemeClr>
-                          </a:solidFill>
-                          <a:effectLst/>
-                          <a:latin typeface="+mn-lt"/>
-                          <a:ea typeface="+mn-ea"/>
-                          <a:cs typeface="+mn-cs"/>
-                        </a:rPr>
-                        <a:t>WanDisco</a:t>
-                      </a:r>
-                      <a:r>
-                        <a:rPr lang="en-US" sz="880" b="0" i="0" u="none" kern="1200" dirty="0">
-                          <a:solidFill>
-                            <a:schemeClr val="tx1">
-                              <a:lumMod val="75000"/>
-                              <a:lumOff val="25000"/>
-                            </a:schemeClr>
-                          </a:solidFill>
-                          <a:effectLst/>
-                          <a:latin typeface="+mn-lt"/>
-                          <a:ea typeface="+mn-ea"/>
-                          <a:cs typeface="+mn-cs"/>
-                        </a:rPr>
-                        <a:t> and the M3 Migration Portal Experience.</a:t>
-                      </a:r>
+                          <a:hlinkClick r:id="rId47"/>
+                        </a:rPr>
+                        <a:t>ADLS Migration Mind Map</a:t>
+                      </a:r>
+                      <a:endParaRPr lang="en-US" sz="880" b="0" i="0" u="none" kern="1200" dirty="0">
+                        <a:solidFill>
+                          <a:schemeClr val="tx1">
+                            <a:lumMod val="75000"/>
+                            <a:lumOff val="25000"/>
+                          </a:schemeClr>
+                        </a:solidFill>
+                        <a:effectLst/>
+                        <a:latin typeface="+mn-lt"/>
+                        <a:ea typeface="+mn-ea"/>
+                        <a:cs typeface="+mn-cs"/>
+                      </a:endParaRPr>
                     </a:p>
                     <a:p>
                       <a:pPr marL="182880" marR="0" lvl="0" indent="-182880" algn="l" defTabSz="914400" rtl="0" eaLnBrk="1" fontAlgn="auto" latinLnBrk="0" hangingPunct="1">
@@ -7911,7 +7777,38 @@
                           <a:ea typeface="+mn-ea"/>
                           <a:cs typeface="+mn-cs"/>
                         </a:rPr>
-                        <a:t>If you use the M3 Tool Portal Experience to migrate ADLS Gen1 to Gen2 make sure you use a clean/fresh empty ADLS Gen2 Account. Don’t use a previously used ADLS Gen2 account where all the data was deleted. Make sure it has never been used.</a:t>
+                        <a:t>Make sure your read </a:t>
+                      </a:r>
+                      <a:r>
+                        <a:rPr lang="en-US" sz="880" b="0" i="0" u="none" kern="1200" dirty="0">
+                          <a:solidFill>
+                            <a:schemeClr val="tx1">
+                              <a:lumMod val="75000"/>
+                              <a:lumOff val="25000"/>
+                            </a:schemeClr>
+                          </a:solidFill>
+                          <a:effectLst/>
+                          <a:latin typeface="+mn-lt"/>
+                          <a:ea typeface="+mn-ea"/>
+                          <a:cs typeface="+mn-cs"/>
+                          <a:hlinkClick r:id="rId48"/>
+                        </a:rPr>
+                        <a:t>The Hitchhiker’s Guide to the Data Lake</a:t>
+                      </a:r>
+                      <a:r>
+                        <a:rPr lang="en-US" sz="880" b="0" i="0" u="none" kern="1200" dirty="0">
+                          <a:solidFill>
+                            <a:schemeClr val="tx1">
+                              <a:lumMod val="75000"/>
+                              <a:lumOff val="25000"/>
+                            </a:schemeClr>
+                          </a:solidFill>
+                          <a:effectLst/>
+                          <a:latin typeface="+mn-lt"/>
+                          <a:ea typeface="+mn-ea"/>
+                          <a:cs typeface="+mn-cs"/>
+                        </a:rPr>
+                        <a:t>.</a:t>
                       </a:r>
                     </a:p>
                     <a:p>
@@ -7945,10 +7842,10 @@
                           <a:ea typeface="+mn-ea"/>
                           <a:cs typeface="+mn-cs"/>
                         </a:rPr>
-                        <a:t>Make sure you’re </a:t>
-                      </a:r>
-                      <a:r>
-                        <a:rPr lang="en-US" sz="880" b="0" i="0" u="sng" kern="1200" dirty="0">
+                        <a:t>Make sure you read </a:t>
+                      </a:r>
+                      <a:r>
+                        <a:rPr lang="en-US" sz="880" b="0" i="0" u="none" kern="1200" dirty="0">
                           <a:solidFill>
                             <a:schemeClr val="tx1">
                               <a:lumMod val="75000"/>
@@ -7959,8 +7856,9 @@
                           <a:latin typeface="+mn-lt"/>
                           <a:ea typeface="+mn-ea"/>
                           <a:cs typeface="+mn-cs"/>
-                        </a:rPr>
-                        <a:t>aware </a:t>
+                          <a:hlinkClick r:id="rId49"/>
+                        </a:rPr>
+                        <a:t>Access control model in Azure Data Lake Storage Gen2  </a:t>
                       </a:r>
                       <a:r>
                         <a:rPr lang="en-US" sz="880" b="0" i="0" u="none" kern="1200" dirty="0">
@@ -7975,7 +7873,7 @@
                           <a:ea typeface="+mn-ea"/>
                           <a:cs typeface="+mn-cs"/>
                         </a:rPr>
-                        <a:t>that once you click the Migrate button through the M3 Portal Tool, the ADLS Gen1 Account will go into </a:t>
+                        <a:t>and </a:t>
                       </a:r>
                       <a:r>
                         <a:rPr lang="en-US" sz="880" b="0" i="0" u="none" kern="1200" dirty="0">
@@ -7989,9 +7887,9 @@
                           <a:latin typeface="+mn-lt"/>
                           <a:ea typeface="+mn-ea"/>
                           <a:cs typeface="+mn-cs"/>
-                          <a:hlinkClick r:id="rId48"/>
-                        </a:rPr>
-                        <a:t>Read Only mode</a:t>
+                          <a:hlinkClick r:id="rId50"/>
+                        </a:rPr>
+                        <a:t>Understanding access control and data lake configurations in ADLS Gen2</a:t>
                       </a:r>
                       <a:r>
                         <a:rPr lang="en-US" sz="880" b="0" i="0" u="none" kern="1200" dirty="0">
@@ -8040,38 +7938,7 @@
                           <a:ea typeface="+mn-ea"/>
                           <a:cs typeface="+mn-cs"/>
                         </a:rPr>
-                        <a:t>Make sure you create a </a:t>
-                      </a:r>
-                      <a:r>
-                        <a:rPr lang="en-US" sz="880" b="0" i="0" u="none" kern="1200" dirty="0">
-                          <a:solidFill>
-                            <a:schemeClr val="tx1">
-                              <a:lumMod val="75000"/>
-                              <a:lumOff val="25000"/>
-                            </a:schemeClr>
-                          </a:solidFill>
-                          <a:effectLst/>
-                          <a:latin typeface="+mn-lt"/>
-                          <a:ea typeface="+mn-ea"/>
-                          <a:cs typeface="+mn-cs"/>
-                          <a:hlinkClick r:id="rId49"/>
-                        </a:rPr>
-                        <a:t>migration checklist</a:t>
-                      </a:r>
-                      <a:r>
-                        <a:rPr lang="en-US" sz="880" b="0" i="0" u="none" kern="1200" dirty="0">
-                          <a:solidFill>
-                            <a:schemeClr val="tx1">
-                              <a:lumMod val="75000"/>
-                              <a:lumOff val="25000"/>
-                            </a:schemeClr>
-                          </a:solidFill>
-                          <a:effectLst/>
-                          <a:latin typeface="+mn-lt"/>
-                          <a:ea typeface="+mn-ea"/>
-                          <a:cs typeface="+mn-cs"/>
-                        </a:rPr>
-                        <a:t> and conduct a dry run on a representative workload.</a:t>
+                        <a:t>Prior to migrating make sure you take the time to properly configure your ADLS Gen2 landing account. Don’t forget to enable HNS on your ADLS Gen2 Account.</a:t>
                       </a:r>
                     </a:p>
                     <a:p>
@@ -8105,7 +7972,7 @@
                           <a:ea typeface="+mn-ea"/>
                           <a:cs typeface="+mn-cs"/>
                         </a:rPr>
-                        <a:t>Make sure you visit the </a:t>
+                        <a:t>Remember there are several ways of </a:t>
                       </a:r>
                       <a:r>
                         <a:rPr lang="en-US" sz="880" b="0" i="0" u="none" kern="1200" dirty="0">
@@ -8119,9 +7986,9 @@
                           <a:latin typeface="+mn-lt"/>
                           <a:ea typeface="+mn-ea"/>
                           <a:cs typeface="+mn-cs"/>
-                          <a:hlinkClick r:id="rId50"/>
-                        </a:rPr>
-                        <a:t>PG’s M3 Tool Customer Support Wiki </a:t>
+                          <a:hlinkClick r:id="rId46"/>
+                        </a:rPr>
+                        <a:t>migrating an ADLS Gen1 Account</a:t>
                       </a:r>
                       <a:r>
                         <a:rPr lang="en-US" sz="880" b="0" i="0" u="none" kern="1200" dirty="0">
@@ -8136,7 +8003,37 @@
                           <a:ea typeface="+mn-ea"/>
                           <a:cs typeface="+mn-cs"/>
                         </a:rPr>
-                        <a:t>.</a:t>
+                        <a:t>: ADF Lift and Shift, ADF Incremental Copy, ADF Dual Pipeline, </a:t>
+                      </a:r>
+                      <a:r>
+                        <a:rPr lang="en-US" sz="880" b="0" i="0" u="none" kern="1200" dirty="0" err="1">
+                          <a:solidFill>
+                            <a:schemeClr val="tx1">
+                              <a:lumMod val="75000"/>
+                              <a:lumOff val="25000"/>
+                            </a:schemeClr>
+                          </a:solidFill>
+                          <a:effectLst/>
+                          <a:latin typeface="+mn-lt"/>
+                          <a:ea typeface="+mn-ea"/>
+                          <a:cs typeface="+mn-cs"/>
+                        </a:rPr>
+                        <a:t>WanDisco</a:t>
+                      </a:r>
+                      <a:r>
+                        <a:rPr lang="en-US" sz="880" b="0" i="0" u="none" kern="1200" dirty="0">
+                          <a:solidFill>
+                            <a:schemeClr val="tx1">
+                              <a:lumMod val="75000"/>
+                              <a:lumOff val="25000"/>
+                            </a:schemeClr>
+                          </a:solidFill>
+                          <a:effectLst/>
+                          <a:latin typeface="+mn-lt"/>
+                          <a:ea typeface="+mn-ea"/>
+                          <a:cs typeface="+mn-cs"/>
+                        </a:rPr>
+                        <a:t> and the M3 Migration Portal Experience.</a:t>
                       </a:r>
                     </a:p>
                     <a:p>
@@ -8170,7 +8067,7 @@
                           <a:ea typeface="+mn-ea"/>
                           <a:cs typeface="+mn-cs"/>
                         </a:rPr>
-                        <a:t>Remember, a lot of small files will slow down your migration</a:t>
+                        <a:t>If you use the M3 Tool Portal Experience to migrate ADLS Gen1 to Gen2 make sure you use a clean/fresh empty ADLS Gen2 Account. Don’t use a previously used ADLS Gen2 account where all the data was deleted. Make sure it has never been used.</a:t>
                       </a:r>
                     </a:p>
                     <a:p>
@@ -8204,81 +8101,87 @@
                           <a:ea typeface="+mn-ea"/>
                           <a:cs typeface="+mn-cs"/>
                         </a:rPr>
-                        <a:t>Remember, a lot of metadata makes things move over slower.</a:t>
+                        <a:t>Make sure you’re </a:t>
+                      </a:r>
+                      <a:r>
+                        <a:rPr lang="en-US" sz="880" b="0" i="0" u="sng" kern="1200" dirty="0">
+                          <a:solidFill>
+                            <a:schemeClr val="tx1">
+                              <a:lumMod val="75000"/>
+                              <a:lumOff val="25000"/>
+                            </a:schemeClr>
+                          </a:solidFill>
+                          <a:effectLst/>
+                          <a:latin typeface="+mn-lt"/>
+                          <a:ea typeface="+mn-ea"/>
+                          <a:cs typeface="+mn-cs"/>
+                        </a:rPr>
+                        <a:t>aware </a:t>
+                      </a:r>
+                      <a:r>
+                        <a:rPr lang="en-US" sz="880" b="0" i="0" u="none" kern="1200" dirty="0">
+                          <a:solidFill>
+                            <a:schemeClr val="tx1">
+                              <a:lumMod val="75000"/>
+                              <a:lumOff val="25000"/>
+                            </a:schemeClr>
+                          </a:solidFill>
+                          <a:effectLst/>
+                          <a:latin typeface="+mn-lt"/>
+                          <a:ea typeface="+mn-ea"/>
+                          <a:cs typeface="+mn-cs"/>
+                        </a:rPr>
+                        <a:t>that once you click the Migrate button through the M3 Portal Tool, the ADLS Gen1 Account will go into </a:t>
+                      </a:r>
+                      <a:r>
+                        <a:rPr lang="en-US" sz="880" b="0" i="0" u="none" kern="1200" dirty="0">
+                          <a:solidFill>
+                            <a:schemeClr val="tx1">
+                              <a:lumMod val="75000"/>
+                              <a:lumOff val="25000"/>
+                            </a:schemeClr>
+                          </a:solidFill>
+                          <a:effectLst/>
+                          <a:latin typeface="+mn-lt"/>
+                          <a:ea typeface="+mn-ea"/>
+                          <a:cs typeface="+mn-cs"/>
+                          <a:hlinkClick r:id="rId46"/>
+                        </a:rPr>
+                        <a:t>Read Only mode</a:t>
+                      </a:r>
+                      <a:r>
+                        <a:rPr lang="en-US" sz="880" b="0" i="0" u="none" kern="1200" dirty="0">
+                          <a:solidFill>
+                            <a:schemeClr val="tx1">
+                              <a:lumMod val="75000"/>
+                              <a:lumOff val="25000"/>
+                            </a:schemeClr>
+                          </a:solidFill>
+                          <a:effectLst/>
+                          <a:latin typeface="+mn-lt"/>
+                          <a:ea typeface="+mn-ea"/>
+                          <a:cs typeface="+mn-cs"/>
+                        </a:rPr>
+                        <a:t>.</a:t>
                       </a:r>
                     </a:p>
-                  </a:txBody>
-                  <a:tcPr>
-                    <a:lnL w="12700" cap="flat" cmpd="sng" algn="ctr">
-                      <a:solidFill>
-                        <a:schemeClr val="tx2">
-                          <a:lumMod val="20000"/>
-                          <a:lumOff val="80000"/>
-                        </a:schemeClr>
-                      </a:solidFill>
-                      <a:prstDash val="solid"/>
-                      <a:round/>
-                      <a:headEnd type="none" w="med" len="med"/>
-                      <a:tailEnd type="none" w="med" len="med"/>
-                    </a:lnL>
-                    <a:lnR w="12700" cap="flat" cmpd="sng" algn="ctr">
-                      <a:solidFill>
-                        <a:schemeClr val="tx2">
-                          <a:lumMod val="20000"/>
-                          <a:lumOff val="80000"/>
-                        </a:schemeClr>
-                      </a:solidFill>
-                      <a:prstDash val="solid"/>
-                      <a:round/>
-                      <a:headEnd type="none" w="med" len="med"/>
-                      <a:tailEnd type="none" w="med" len="med"/>
-                    </a:lnR>
-                    <a:lnT w="12700" cap="flat" cmpd="sng" algn="ctr">
-                      <a:solidFill>
-                        <a:schemeClr val="tx2">
-                          <a:lumMod val="20000"/>
-                          <a:lumOff val="80000"/>
-                        </a:schemeClr>
-                      </a:solidFill>
-                      <a:prstDash val="solid"/>
-                      <a:round/>
-                      <a:headEnd type="none" w="med" len="med"/>
-                      <a:tailEnd type="none" w="med" len="med"/>
-                    </a:lnT>
-                    <a:lnB w="12700" cap="flat" cmpd="sng" algn="ctr">
-                      <a:solidFill>
-                        <a:schemeClr val="tx2">
-                          <a:lumMod val="20000"/>
-                          <a:lumOff val="80000"/>
-                        </a:schemeClr>
-                      </a:solidFill>
-                      <a:prstDash val="solid"/>
-                      <a:round/>
-                      <a:headEnd type="none" w="med" len="med"/>
-                      <a:tailEnd type="none" w="med" len="med"/>
-                    </a:lnB>
-                    <a:solidFill>
-                      <a:schemeClr val="bg1"/>
-                    </a:solidFill>
-                  </a:tcPr>
-                </a:tc>
-                <a:tc>
-                  <a:txBody>
-                    <a:bodyPr/>
-                    <a:lstStyle/>
                     <a:p>
-                      <a:pPr marL="0" marR="0" lvl="0" indent="0" algn="l" rtl="0" eaLnBrk="1" fontAlgn="auto" latinLnBrk="0" hangingPunct="1">
+                      <a:pPr marL="182880" marR="0" lvl="0" indent="-182880" algn="l" defTabSz="914400" rtl="0" eaLnBrk="1" fontAlgn="auto" latinLnBrk="0" hangingPunct="1">
                         <a:lnSpc>
-                          <a:spcPct val="100000"/>
+                          <a:spcPts val="1000"/>
                         </a:lnSpc>
                         <a:spcBef>
                           <a:spcPts val="0"/>
                         </a:spcBef>
                         <a:spcAft>
-                          <a:spcPts val="200"/>
+                          <a:spcPts val="300"/>
                         </a:spcAft>
+                        <a:buClrTx/>
+                        <a:buSzTx/>
                         <a:buFont typeface="+mj-lt"/>
-                        <a:buNone/>
+                        <a:buAutoNum type="arabicPeriod"/>
+                        <a:tabLst/>
+                        <a:defRPr/>
                       </a:pPr>
                       <a:r>
                         <a:rPr lang="en-US" sz="880" b="0" i="0" u="none" kern="1200" dirty="0">
@@ -8292,39 +8195,61 @@
                           <a:latin typeface="+mn-lt"/>
                           <a:ea typeface="+mn-ea"/>
                           <a:cs typeface="+mn-cs"/>
-                          <a:hlinkClick r:id="rId50"/>
-                        </a:rPr>
-                        <a:t>PG Customer Support Wiki for M3 Tool</a:t>
-                      </a:r>
-                      <a:endParaRPr lang="en-US" sz="880" b="0" i="0" u="none" kern="1200" dirty="0">
-                        <a:solidFill>
-                          <a:schemeClr val="tx1">
-                            <a:lumMod val="75000"/>
-                            <a:lumOff val="25000"/>
-                          </a:schemeClr>
-                        </a:solidFill>
-                        <a:effectLst/>
-                        <a:latin typeface="+mn-lt"/>
-                        <a:ea typeface="+mn-ea"/>
-                        <a:cs typeface="+mn-cs"/>
-                      </a:endParaRPr>
+                        </a:rPr>
+                        <a:t>Make sure you create a </a:t>
+                      </a:r>
+                      <a:r>
+                        <a:rPr lang="en-US" sz="880" b="0" i="0" u="none" kern="1200" dirty="0">
+                          <a:solidFill>
+                            <a:schemeClr val="tx1">
+                              <a:lumMod val="75000"/>
+                              <a:lumOff val="25000"/>
+                            </a:schemeClr>
+                          </a:solidFill>
+                          <a:effectLst/>
+                          <a:latin typeface="+mn-lt"/>
+                          <a:ea typeface="+mn-ea"/>
+                          <a:cs typeface="+mn-cs"/>
+                          <a:hlinkClick r:id="rId51"/>
+                        </a:rPr>
+                        <a:t>migration checklist</a:t>
+                      </a:r>
+                      <a:r>
+                        <a:rPr lang="en-US" sz="880" b="0" i="0" u="none" kern="1200" dirty="0">
+                          <a:solidFill>
+                            <a:schemeClr val="tx1">
+                              <a:lumMod val="75000"/>
+                              <a:lumOff val="25000"/>
+                            </a:schemeClr>
+                          </a:solidFill>
+                          <a:effectLst/>
+                          <a:latin typeface="+mn-lt"/>
+                          <a:ea typeface="+mn-ea"/>
+                          <a:cs typeface="+mn-cs"/>
+                        </a:rPr>
+                        <a:t> and conduct a dry run on a representative workload.</a:t>
+                      </a:r>
                     </a:p>
                     <a:p>
-                      <a:pPr marL="0" marR="0" lvl="0" indent="0" algn="l" rtl="0" eaLnBrk="1" fontAlgn="auto" latinLnBrk="0" hangingPunct="1">
+                      <a:pPr marL="182880" marR="0" lvl="0" indent="-182880" algn="l" defTabSz="914400" rtl="0" eaLnBrk="1" fontAlgn="auto" latinLnBrk="0" hangingPunct="1">
                         <a:lnSpc>
-                          <a:spcPct val="100000"/>
+                          <a:spcPts val="1000"/>
                         </a:lnSpc>
                         <a:spcBef>
                           <a:spcPts val="0"/>
                         </a:spcBef>
                         <a:spcAft>
-                          <a:spcPts val="200"/>
+                          <a:spcPts val="300"/>
                         </a:spcAft>
+                        <a:buClrTx/>
+                        <a:buSzTx/>
                         <a:buFont typeface="+mj-lt"/>
-                        <a:buNone/>
+                        <a:buAutoNum type="arabicPeriod"/>
+                        <a:tabLst/>
+                        <a:defRPr/>
                       </a:pPr>
                       <a:r>
-                        <a:rPr lang="en-US" sz="880" b="0" i="1" u="none" kern="1200" dirty="0">
+                        <a:rPr lang="en-US" sz="880" b="0" i="0" u="none" kern="1200" dirty="0">
                           <a:solidFill>
                             <a:schemeClr val="tx1">
                               <a:lumMod val="75000"/>
@@ -8336,25 +8261,29 @@
                           <a:ea typeface="+mn-ea"/>
                           <a:cs typeface="+mn-cs"/>
                         </a:rPr>
-                        <a:t>Wiki gives us the following:</a:t>
+                        <a:t>Remember, a lot of small files will slow down your migration</a:t>
                       </a:r>
                     </a:p>
                     <a:p>
-                      <a:pPr marL="228600" marR="0" lvl="0" indent="-228600" algn="l" rtl="0" eaLnBrk="1" fontAlgn="auto" latinLnBrk="0" hangingPunct="1">
+                      <a:pPr marL="182880" marR="0" lvl="0" indent="-182880" algn="l" defTabSz="914400" rtl="0" eaLnBrk="1" fontAlgn="auto" latinLnBrk="0" hangingPunct="1">
                         <a:lnSpc>
-                          <a:spcPct val="100000"/>
+                          <a:spcPts val="1000"/>
                         </a:lnSpc>
                         <a:spcBef>
                           <a:spcPts val="0"/>
                         </a:spcBef>
                         <a:spcAft>
-                          <a:spcPts val="200"/>
+                          <a:spcPts val="300"/>
                         </a:spcAft>
+                        <a:buClrTx/>
+                        <a:buSzTx/>
                         <a:buFont typeface="+mj-lt"/>
                         <a:buAutoNum type="arabicPeriod"/>
+                        <a:tabLst/>
+                        <a:defRPr/>
                       </a:pPr>
                       <a:r>
-                        <a:rPr lang="en-US" sz="880" b="0" i="1" u="none" kern="1200" dirty="0">
+                        <a:rPr lang="en-US" sz="880" b="0" i="0" u="none" kern="1200" dirty="0">
                           <a:solidFill>
                             <a:schemeClr val="tx1">
                               <a:lumMod val="75000"/>
@@ -8366,157 +8295,7 @@
                           <a:ea typeface="+mn-ea"/>
                           <a:cs typeface="+mn-cs"/>
                         </a:rPr>
-                        <a:t>How does ADLS Gen1 to Gen2 Migration Work with M3 Tool</a:t>
-                      </a:r>
-                    </a:p>
-                    <a:p>
-                      <a:pPr marL="228600" marR="0" lvl="0" indent="-228600" algn="l" rtl="0" eaLnBrk="1" fontAlgn="auto" latinLnBrk="0" hangingPunct="1">
-                        <a:lnSpc>
-                          <a:spcPct val="100000"/>
-                        </a:lnSpc>
-                        <a:spcBef>
-                          <a:spcPts val="0"/>
-                        </a:spcBef>
-                        <a:spcAft>
-                          <a:spcPts val="200"/>
-                        </a:spcAft>
-                        <a:buFont typeface="+mj-lt"/>
-                        <a:buAutoNum type="arabicPeriod"/>
-                      </a:pPr>
-                      <a:r>
-                        <a:rPr lang="en-US" sz="880" b="0" i="0" u="none" kern="1200" dirty="0">
-                          <a:solidFill>
-                            <a:schemeClr val="tx1">
-                              <a:lumMod val="75000"/>
-                              <a:lumOff val="25000"/>
-                            </a:schemeClr>
-                          </a:solidFill>
-                          <a:effectLst/>
-                          <a:latin typeface="+mn-lt"/>
-                          <a:ea typeface="+mn-ea"/>
-                          <a:cs typeface="+mn-cs"/>
-                        </a:rPr>
-                        <a:t>Logs/Dashboards through Jarvis Metrics Dashboards</a:t>
-                      </a:r>
-                    </a:p>
-                    <a:p>
-                      <a:pPr marL="228600" marR="0" lvl="0" indent="-228600" algn="l" rtl="0" eaLnBrk="1" fontAlgn="auto" latinLnBrk="0" hangingPunct="1">
-                        <a:lnSpc>
-                          <a:spcPct val="100000"/>
-                        </a:lnSpc>
-                        <a:spcBef>
-                          <a:spcPts val="0"/>
-                        </a:spcBef>
-                        <a:spcAft>
-                          <a:spcPts val="200"/>
-                        </a:spcAft>
-                        <a:buFont typeface="+mj-lt"/>
-                        <a:buAutoNum type="arabicPeriod"/>
-                      </a:pPr>
-                      <a:r>
-                        <a:rPr lang="en-US" sz="880" b="0" i="0" u="none" kern="1200" dirty="0">
-                          <a:solidFill>
-                            <a:schemeClr val="tx1">
-                              <a:lumMod val="75000"/>
-                              <a:lumOff val="25000"/>
-                            </a:schemeClr>
-                          </a:solidFill>
-                          <a:effectLst/>
-                          <a:latin typeface="+mn-lt"/>
-                          <a:ea typeface="+mn-ea"/>
-                          <a:cs typeface="+mn-cs"/>
-                        </a:rPr>
-                        <a:t>Find out if your ADLS Gen1 Account is actively migrating</a:t>
-                      </a:r>
-                    </a:p>
-                    <a:p>
-                      <a:pPr marL="228600" marR="0" lvl="0" indent="-228600" algn="l" rtl="0" eaLnBrk="1" fontAlgn="auto" latinLnBrk="0" hangingPunct="1">
-                        <a:lnSpc>
-                          <a:spcPct val="100000"/>
-                        </a:lnSpc>
-                        <a:spcBef>
-                          <a:spcPts val="0"/>
-                        </a:spcBef>
-                        <a:spcAft>
-                          <a:spcPts val="200"/>
-                        </a:spcAft>
-                        <a:buFont typeface="+mj-lt"/>
-                        <a:buAutoNum type="arabicPeriod"/>
-                      </a:pPr>
-                      <a:r>
-                        <a:rPr lang="en-US" sz="880" b="0" i="0" u="none" kern="1200" dirty="0">
-                          <a:solidFill>
-                            <a:schemeClr val="tx1">
-                              <a:lumMod val="75000"/>
-                              <a:lumOff val="25000"/>
-                            </a:schemeClr>
-                          </a:solidFill>
-                          <a:effectLst/>
-                          <a:latin typeface="+mn-lt"/>
-                          <a:ea typeface="+mn-ea"/>
-                          <a:cs typeface="+mn-cs"/>
-                        </a:rPr>
-                        <a:t>Find out if any data has been migrated</a:t>
-                      </a:r>
-                    </a:p>
-                    <a:p>
-                      <a:pPr marL="228600" marR="0" lvl="0" indent="-228600" algn="l" rtl="0" eaLnBrk="1" fontAlgn="auto" latinLnBrk="0" hangingPunct="1">
-                        <a:lnSpc>
-                          <a:spcPct val="100000"/>
-                        </a:lnSpc>
-                        <a:spcBef>
-                          <a:spcPts val="0"/>
-                        </a:spcBef>
-                        <a:spcAft>
-                          <a:spcPts val="200"/>
-                        </a:spcAft>
-                        <a:buFont typeface="+mj-lt"/>
-                        <a:buAutoNum type="arabicPeriod"/>
-                      </a:pPr>
-                      <a:r>
-                        <a:rPr lang="en-US" sz="880" b="0" i="0" u="none" kern="1200" dirty="0">
-                          <a:solidFill>
-                            <a:schemeClr val="tx1">
-                              <a:lumMod val="75000"/>
-                              <a:lumOff val="25000"/>
-                            </a:schemeClr>
-                          </a:solidFill>
-                          <a:effectLst/>
-                          <a:latin typeface="+mn-lt"/>
-                          <a:ea typeface="+mn-ea"/>
-                          <a:cs typeface="+mn-cs"/>
-                        </a:rPr>
-                        <a:t>Find out if there are any errors related to your ADLS Gen1 migration</a:t>
-                      </a:r>
-                    </a:p>
-                    <a:p>
-                      <a:pPr marL="228600" marR="0" lvl="0" indent="-228600" algn="l" rtl="0" eaLnBrk="1" fontAlgn="auto" latinLnBrk="0" hangingPunct="1">
-                        <a:lnSpc>
-                          <a:spcPct val="100000"/>
-                        </a:lnSpc>
-                        <a:spcBef>
-                          <a:spcPts val="0"/>
-                        </a:spcBef>
-                        <a:spcAft>
-                          <a:spcPts val="200"/>
-                        </a:spcAft>
-                        <a:buFont typeface="+mj-lt"/>
-                        <a:buAutoNum type="arabicPeriod"/>
-                      </a:pPr>
-                      <a:r>
-                        <a:rPr lang="en-US" sz="880" b="0" i="0" u="none" kern="1200" dirty="0">
-                          <a:solidFill>
-                            <a:schemeClr val="tx1">
-                              <a:lumMod val="75000"/>
-                              <a:lumOff val="25000"/>
-                            </a:schemeClr>
-                          </a:solidFill>
-                          <a:effectLst/>
-                          <a:latin typeface="+mn-lt"/>
-                          <a:ea typeface="+mn-ea"/>
-                          <a:cs typeface="+mn-cs"/>
-                        </a:rPr>
-                        <a:t>Find out if there are any operations are currently on your ADLS Gen1 Account.</a:t>
+                        <a:t>Remember, a lot of metadata makes things move over slower.</a:t>
                       </a:r>
                     </a:p>
                   </a:txBody>
@@ -8737,7 +8516,7 @@
                 <a:ea typeface="+mn-ea"/>
                 <a:cs typeface="+mn-cs"/>
               </a:rPr>
-              <a:t>Date updated: November 2021</a:t>
+              <a:t>Date updated: March 2022</a:t>
             </a:r>
             <a:endParaRPr kumimoji="0" lang="en-US" sz="1200" b="1" i="0" u="none" strike="noStrike" kern="1200" cap="none" spc="0" normalizeH="0" baseline="0" noProof="0" dirty="0">
               <a:ln>
@@ -8816,7 +8595,7 @@
           <p:nvPr/>
         </p:nvPicPr>
         <p:blipFill>
-          <a:blip r:embed="rId51"/>
+          <a:blip r:embed="rId52"/>
           <a:stretch>
             <a:fillRect/>
           </a:stretch>

--- a/Assets/AzureBlobStorage-Performance-ADLSGen1MigrationBattlecard.pptx
+++ b/Assets/AzureBlobStorage-Performance-ADLSGen1MigrationBattlecard.pptx
@@ -197,7 +197,7 @@
           <a:p>
             <a:fld id="{53E09C7C-44FE-4473-B14E-11CDC0ABFD6B}" type="datetimeFigureOut">
               <a:rPr lang="en-US" smtClean="0"/>
-              <a:t>3/2/2022</a:t>
+              <a:t>9/27/2022</a:t>
             </a:fld>
             <a:endParaRPr lang="en-US"/>
           </a:p>
@@ -707,7 +707,7 @@
           <a:p>
             <a:fld id="{405141AA-5BB0-48FE-B87A-3DEC500DC27D}" type="datetimeFigureOut">
               <a:rPr lang="en-US" smtClean="0"/>
-              <a:t>3/2/2022</a:t>
+              <a:t>9/27/2022</a:t>
             </a:fld>
             <a:endParaRPr lang="en-US"/>
           </a:p>
@@ -905,7 +905,7 @@
           <a:p>
             <a:fld id="{405141AA-5BB0-48FE-B87A-3DEC500DC27D}" type="datetimeFigureOut">
               <a:rPr lang="en-US" smtClean="0"/>
-              <a:t>3/2/2022</a:t>
+              <a:t>9/27/2022</a:t>
             </a:fld>
             <a:endParaRPr lang="en-US"/>
           </a:p>
@@ -1113,7 +1113,7 @@
           <a:p>
             <a:fld id="{405141AA-5BB0-48FE-B87A-3DEC500DC27D}" type="datetimeFigureOut">
               <a:rPr lang="en-US" smtClean="0"/>
-              <a:t>3/2/2022</a:t>
+              <a:t>9/27/2022</a:t>
             </a:fld>
             <a:endParaRPr lang="en-US"/>
           </a:p>
@@ -1311,7 +1311,7 @@
           <a:p>
             <a:fld id="{405141AA-5BB0-48FE-B87A-3DEC500DC27D}" type="datetimeFigureOut">
               <a:rPr lang="en-US" smtClean="0"/>
-              <a:t>3/2/2022</a:t>
+              <a:t>9/27/2022</a:t>
             </a:fld>
             <a:endParaRPr lang="en-US"/>
           </a:p>
@@ -1586,7 +1586,7 @@
           <a:p>
             <a:fld id="{405141AA-5BB0-48FE-B87A-3DEC500DC27D}" type="datetimeFigureOut">
               <a:rPr lang="en-US" smtClean="0"/>
-              <a:t>3/2/2022</a:t>
+              <a:t>9/27/2022</a:t>
             </a:fld>
             <a:endParaRPr lang="en-US"/>
           </a:p>
@@ -1851,7 +1851,7 @@
           <a:p>
             <a:fld id="{405141AA-5BB0-48FE-B87A-3DEC500DC27D}" type="datetimeFigureOut">
               <a:rPr lang="en-US" smtClean="0"/>
-              <a:t>3/2/2022</a:t>
+              <a:t>9/27/2022</a:t>
             </a:fld>
             <a:endParaRPr lang="en-US"/>
           </a:p>
@@ -2263,7 +2263,7 @@
           <a:p>
             <a:fld id="{405141AA-5BB0-48FE-B87A-3DEC500DC27D}" type="datetimeFigureOut">
               <a:rPr lang="en-US" smtClean="0"/>
-              <a:t>3/2/2022</a:t>
+              <a:t>9/27/2022</a:t>
             </a:fld>
             <a:endParaRPr lang="en-US"/>
           </a:p>
@@ -2404,7 +2404,7 @@
           <a:p>
             <a:fld id="{405141AA-5BB0-48FE-B87A-3DEC500DC27D}" type="datetimeFigureOut">
               <a:rPr lang="en-US" smtClean="0"/>
-              <a:t>3/2/2022</a:t>
+              <a:t>9/27/2022</a:t>
             </a:fld>
             <a:endParaRPr lang="en-US"/>
           </a:p>
@@ -2517,7 +2517,7 @@
           <a:p>
             <a:fld id="{405141AA-5BB0-48FE-B87A-3DEC500DC27D}" type="datetimeFigureOut">
               <a:rPr lang="en-US" smtClean="0"/>
-              <a:t>3/2/2022</a:t>
+              <a:t>9/27/2022</a:t>
             </a:fld>
             <a:endParaRPr lang="en-US"/>
           </a:p>
@@ -2828,7 +2828,7 @@
           <a:p>
             <a:fld id="{405141AA-5BB0-48FE-B87A-3DEC500DC27D}" type="datetimeFigureOut">
               <a:rPr lang="en-US" smtClean="0"/>
-              <a:t>3/2/2022</a:t>
+              <a:t>9/27/2022</a:t>
             </a:fld>
             <a:endParaRPr lang="en-US"/>
           </a:p>
@@ -3116,7 +3116,7 @@
           <a:p>
             <a:fld id="{405141AA-5BB0-48FE-B87A-3DEC500DC27D}" type="datetimeFigureOut">
               <a:rPr lang="en-US" smtClean="0"/>
-              <a:t>3/2/2022</a:t>
+              <a:t>9/27/2022</a:t>
             </a:fld>
             <a:endParaRPr lang="en-US"/>
           </a:p>
@@ -3357,7 +3357,7 @@
           <a:p>
             <a:fld id="{405141AA-5BB0-48FE-B87A-3DEC500DC27D}" type="datetimeFigureOut">
               <a:rPr lang="en-US" smtClean="0"/>
-              <a:t>3/2/2022</a:t>
+              <a:t>9/27/2022</a:t>
             </a:fld>
             <a:endParaRPr lang="en-US"/>
           </a:p>
@@ -3789,7 +3789,7 @@
           <p:nvPr>
             <p:extLst>
               <p:ext uri="{D42A27DB-BD31-4B8C-83A1-F6EECF244321}">
-                <p14:modId xmlns:p14="http://schemas.microsoft.com/office/powerpoint/2010/main" val="675438667"/>
+                <p14:modId xmlns:p14="http://schemas.microsoft.com/office/powerpoint/2010/main" val="3100483769"/>
               </p:ext>
             </p:extLst>
           </p:nvPr>
@@ -5090,7 +5090,7 @@
                         <a:t>, </a:t>
                       </a:r>
                       <a:r>
-                        <a:rPr lang="en-US" sz="880" b="0" dirty="0" err="1">
+                        <a:rPr lang="en-US" sz="880" b="0" dirty="0">
                           <a:solidFill>
                             <a:schemeClr val="tx1">
                               <a:lumMod val="75000"/>
@@ -7252,17 +7252,6 @@
                         </a:rPr>
                         <a:t>, use the Put Block From URL operation. This operation copies data synchronously from any URL source into a block blob. Using the Put Block from URL operation can significantly reduce required bandwidth when you are migrating data across storage accounts. Because the copy operation takes place on the service side, you do not need to download and re-upload the data. To copy data within the same storage account, use the Copy Blob operation. Copying data within the same storage account is typically completed quickly.</a:t>
                       </a:r>
-                      <a:endParaRPr lang="en-US" sz="880" b="1" i="0" kern="1200" baseline="0" dirty="0">
-                        <a:solidFill>
-                          <a:schemeClr val="tx1">
-                            <a:lumMod val="75000"/>
-                            <a:lumOff val="25000"/>
-                          </a:schemeClr>
-                        </a:solidFill>
-                        <a:latin typeface="+mn-lt"/>
-                        <a:ea typeface="+mn-ea"/>
-                        <a:cs typeface="Segoe UI" panose="020B0502040204020203" pitchFamily="34" charset="0"/>
-                      </a:endParaRPr>
                     </a:p>
                     <a:p>
                       <a:pPr marL="0" marR="0" lvl="0" indent="0" algn="l" defTabSz="686047" rtl="0" eaLnBrk="1" fontAlgn="auto" latinLnBrk="0" hangingPunct="1">
@@ -7294,7 +7283,7 @@
                           <a:ea typeface="+mn-ea"/>
                           <a:cs typeface="Segoe UI" panose="020B0502040204020203" pitchFamily="34" charset="0"/>
                         </a:rPr>
-                        <a:t>14. Request an Increase – You can request higher capacity and ingress limits. To request and increase, contact </a:t>
+                        <a:t>17. </a:t>
                       </a:r>
                       <a:r>
                         <a:rPr lang="en-US" sz="880" b="1" i="0" kern="1200" baseline="0" dirty="0">
@@ -7307,7 +7296,98 @@
                           <a:latin typeface="+mn-lt"/>
                           <a:ea typeface="+mn-ea"/>
                           <a:cs typeface="Segoe UI" panose="020B0502040204020203" pitchFamily="34" charset="0"/>
+                          <a:hlinkClick r:id="rId24"/>
+                        </a:rPr>
+                        <a:t>BlobFuse</a:t>
+                      </a:r>
+                      <a:r>
+                        <a:rPr lang="en-US" sz="880" b="0" i="0" kern="1200" baseline="0" dirty="0">
+                          <a:solidFill>
+                            <a:schemeClr val="tx1">
+                              <a:lumMod val="75000"/>
+                              <a:lumOff val="25000"/>
+                            </a:schemeClr>
+                          </a:solidFill>
+                          <a:latin typeface="+mn-lt"/>
+                          <a:ea typeface="+mn-ea"/>
+                          <a:cs typeface="Segoe UI" panose="020B0502040204020203" pitchFamily="34" charset="0"/>
+                        </a:rPr>
+                        <a:t> - is a virtual file system driver for Azure Blob storage. </a:t>
+                      </a:r>
+                      <a:r>
+                        <a:rPr lang="en-US" sz="880" b="0" i="0" kern="1200" baseline="0" dirty="0">
+                          <a:solidFill>
+                            <a:schemeClr val="tx1">
+                              <a:lumMod val="75000"/>
+                              <a:lumOff val="25000"/>
+                            </a:schemeClr>
+                          </a:solidFill>
+                          <a:latin typeface="+mn-lt"/>
+                          <a:ea typeface="+mn-ea"/>
+                          <a:cs typeface="Segoe UI" panose="020B0502040204020203" pitchFamily="34" charset="0"/>
                           <a:hlinkClick r:id="rId45"/>
+                        </a:rPr>
+                        <a:t>Blobfuse</a:t>
+                      </a:r>
+                      <a:r>
+                        <a:rPr lang="en-US" sz="880" b="0" i="0" kern="1200" baseline="0" dirty="0">
+                          <a:solidFill>
+                            <a:schemeClr val="tx1">
+                              <a:lumMod val="75000"/>
+                              <a:lumOff val="25000"/>
+                            </a:schemeClr>
+                          </a:solidFill>
+                          <a:latin typeface="+mn-lt"/>
+                          <a:ea typeface="+mn-ea"/>
+                          <a:cs typeface="Segoe UI" panose="020B0502040204020203" pitchFamily="34" charset="0"/>
+                        </a:rPr>
+                        <a:t> allows you to access your existing block blob data in your storage account through the Linux file system. Gives you several advantages such as parallel download and upload features for fast access to large blobs, local cache to improve subsequent access times and others.</a:t>
+                      </a:r>
+                    </a:p>
+                    <a:p>
+                      <a:pPr marL="0" marR="0" lvl="0" indent="0" algn="l" defTabSz="686047" rtl="0" eaLnBrk="1" fontAlgn="auto" latinLnBrk="0" hangingPunct="1">
+                        <a:lnSpc>
+                          <a:spcPts val="1000"/>
+                        </a:lnSpc>
+                        <a:spcBef>
+                          <a:spcPts val="0"/>
+                        </a:spcBef>
+                        <a:spcAft>
+                          <a:spcPts val="300"/>
+                        </a:spcAft>
+                        <a:buClrTx/>
+                        <a:buSzTx/>
+                        <a:buFontTx/>
+                        <a:buNone/>
+                        <a:tabLst/>
+                        <a:defRPr/>
+                      </a:pPr>
+                      <a:r>
+                        <a:rPr lang="en-US" sz="880" b="1" i="0" kern="1200" baseline="0" dirty="0">
+                          <a:solidFill>
+                            <a:schemeClr val="tx1">
+                              <a:lumMod val="75000"/>
+                              <a:lumOff val="25000"/>
+                            </a:schemeClr>
+                          </a:solidFill>
+                          <a:latin typeface="+mn-lt"/>
+                          <a:ea typeface="+mn-ea"/>
+                          <a:cs typeface="Segoe UI" panose="020B0502040204020203" pitchFamily="34" charset="0"/>
+                        </a:rPr>
+                        <a:t>18. Request an Increase – You can request higher capacity and ingress limits. To request and increase, contact </a:t>
+                      </a:r>
+                      <a:r>
+                        <a:rPr lang="en-US" sz="880" b="1" i="0" kern="1200" baseline="0" dirty="0">
+                          <a:solidFill>
+                            <a:schemeClr val="tx1">
+                              <a:lumMod val="75000"/>
+                              <a:lumOff val="25000"/>
+                            </a:schemeClr>
+                          </a:solidFill>
+                          <a:latin typeface="+mn-lt"/>
+                          <a:ea typeface="+mn-ea"/>
+                          <a:cs typeface="Segoe UI" panose="020B0502040204020203" pitchFamily="34" charset="0"/>
+                          <a:hlinkClick r:id="rId46"/>
                         </a:rPr>
                         <a:t>Azure Support</a:t>
                       </a:r>
@@ -7667,7 +7747,7 @@
                           <a:latin typeface="+mn-lt"/>
                           <a:ea typeface="+mn-ea"/>
                           <a:cs typeface="+mn-cs"/>
-                          <a:hlinkClick r:id="rId46"/>
+                          <a:hlinkClick r:id="rId47"/>
                         </a:rPr>
                         <a:t>Migrate Azure Data Lake Storage from Gen1 to Gen2</a:t>
                       </a:r>
@@ -7729,7 +7809,7 @@
                           <a:latin typeface="+mn-lt"/>
                           <a:ea typeface="+mn-ea"/>
                           <a:cs typeface="+mn-cs"/>
-                          <a:hlinkClick r:id="rId47"/>
+                          <a:hlinkClick r:id="rId48"/>
                         </a:rPr>
                         <a:t>ADLS Migration Mind Map</a:t>
                       </a:r>
@@ -7791,7 +7871,7 @@
                           <a:latin typeface="+mn-lt"/>
                           <a:ea typeface="+mn-ea"/>
                           <a:cs typeface="+mn-cs"/>
-                          <a:hlinkClick r:id="rId48"/>
+                          <a:hlinkClick r:id="rId49"/>
                         </a:rPr>
                         <a:t>The Hitchhiker’s Guide to the Data Lake</a:t>
                       </a:r>
@@ -7856,7 +7936,7 @@
                           <a:latin typeface="+mn-lt"/>
                           <a:ea typeface="+mn-ea"/>
                           <a:cs typeface="+mn-cs"/>
-                          <a:hlinkClick r:id="rId49"/>
+                          <a:hlinkClick r:id="rId50"/>
                         </a:rPr>
                         <a:t>Access control model in Azure Data Lake Storage Gen2  </a:t>
                       </a:r>
@@ -7887,7 +7967,7 @@
                           <a:latin typeface="+mn-lt"/>
                           <a:ea typeface="+mn-ea"/>
                           <a:cs typeface="+mn-cs"/>
-                          <a:hlinkClick r:id="rId50"/>
+                          <a:hlinkClick r:id="rId51"/>
                         </a:rPr>
                         <a:t>Understanding access control and data lake configurations in ADLS Gen2</a:t>
                       </a:r>
@@ -7986,7 +8066,7 @@
                           <a:latin typeface="+mn-lt"/>
                           <a:ea typeface="+mn-ea"/>
                           <a:cs typeface="+mn-cs"/>
-                          <a:hlinkClick r:id="rId46"/>
+                          <a:hlinkClick r:id="rId47"/>
                         </a:rPr>
                         <a:t>migrating an ADLS Gen1 Account</a:t>
                       </a:r>
@@ -8145,7 +8225,7 @@
                           <a:latin typeface="+mn-lt"/>
                           <a:ea typeface="+mn-ea"/>
                           <a:cs typeface="+mn-cs"/>
-                          <a:hlinkClick r:id="rId46"/>
+                          <a:hlinkClick r:id="rId47"/>
                         </a:rPr>
                         <a:t>Read Only mode</a:t>
                       </a:r>
@@ -8210,7 +8290,7 @@
                           <a:latin typeface="+mn-lt"/>
                           <a:ea typeface="+mn-ea"/>
                           <a:cs typeface="+mn-cs"/>
-                          <a:hlinkClick r:id="rId51"/>
+                          <a:hlinkClick r:id="rId52"/>
                         </a:rPr>
                         <a:t>migration checklist</a:t>
                       </a:r>
@@ -8516,7 +8596,41 @@
                 <a:ea typeface="+mn-ea"/>
                 <a:cs typeface="+mn-cs"/>
               </a:rPr>
-              <a:t>Date updated: March 2022</a:t>
+              <a:t>Date updated</a:t>
+            </a:r>
+            <a:r>
+              <a:rPr kumimoji="0" lang="en-US" sz="1200" b="1" i="0" u="none" strike="noStrike" kern="1200" cap="none" spc="0" normalizeH="0" baseline="0" noProof="0">
+                <a:ln>
+                  <a:noFill/>
+                </a:ln>
+                <a:solidFill>
+                  <a:schemeClr val="bg1"/>
+                </a:solidFill>
+                <a:effectLst/>
+                <a:uLnTx/>
+                <a:uFillTx/>
+                <a:latin typeface="Calibri" panose="020F0502020204030204"/>
+                <a:ea typeface="+mn-ea"/>
+                <a:cs typeface="+mn-cs"/>
+              </a:rPr>
+              <a:t>: September </a:t>
+            </a:r>
+            <a:r>
+              <a:rPr kumimoji="0" lang="en-US" sz="1200" b="1" i="0" u="none" strike="noStrike" kern="1200" cap="none" spc="0" normalizeH="0" baseline="0" noProof="0" dirty="0">
+                <a:ln>
+                  <a:noFill/>
+                </a:ln>
+                <a:solidFill>
+                  <a:schemeClr val="bg1"/>
+                </a:solidFill>
+                <a:effectLst/>
+                <a:uLnTx/>
+                <a:uFillTx/>
+                <a:latin typeface="Calibri" panose="020F0502020204030204"/>
+                <a:ea typeface="+mn-ea"/>
+                <a:cs typeface="+mn-cs"/>
+              </a:rPr>
+              <a:t>2022</a:t>
             </a:r>
             <a:endParaRPr kumimoji="0" lang="en-US" sz="1200" b="1" i="0" u="none" strike="noStrike" kern="1200" cap="none" spc="0" normalizeH="0" baseline="0" noProof="0" dirty="0">
               <a:ln>
@@ -8595,7 +8709,7 @@
           <p:nvPr/>
         </p:nvPicPr>
         <p:blipFill>
-          <a:blip r:embed="rId52"/>
+          <a:blip r:embed="rId53"/>
           <a:stretch>
             <a:fillRect/>
           </a:stretch>
